--- a/AITerm/doc/최종데모/최종보고서/최종문서 그림편집.pptx
+++ b/AITerm/doc/최종데모/최종보고서/최종문서 그림편집.pptx
@@ -3923,8 +3923,8 @@
         </p:nvSpPr>
         <p:spPr>
           <a:xfrm>
-            <a:off x="6786578" y="2000240"/>
-            <a:ext cx="785818" cy="285752"/>
+            <a:off x="6786578" y="2071678"/>
+            <a:ext cx="785818" cy="214314"/>
           </a:xfrm>
           <a:prstGeom prst="rect">
             <a:avLst/>
@@ -3934,6 +3934,9 @@
               <a:alpha val="30000"/>
             </a:srgbClr>
           </a:solidFill>
+          <a:ln>
+            <a:noFill/>
+          </a:ln>
         </p:spPr>
         <p:style>
           <a:lnRef idx="2">
@@ -4027,8 +4030,8 @@
         </p:nvSpPr>
         <p:spPr>
           <a:xfrm>
-            <a:off x="2571736" y="3143248"/>
-            <a:ext cx="1143008" cy="142876"/>
+            <a:off x="2571736" y="2928934"/>
+            <a:ext cx="1143008" cy="214314"/>
           </a:xfrm>
           <a:prstGeom prst="rect">
             <a:avLst/>
@@ -4038,6 +4041,9 @@
               <a:alpha val="30000"/>
             </a:srgbClr>
           </a:solidFill>
+          <a:ln>
+            <a:noFill/>
+          </a:ln>
         </p:spPr>
         <p:style>
           <a:lnRef idx="2">
@@ -4091,13 +4097,11 @@
       </p:grpSpPr>
       <p:pic>
         <p:nvPicPr>
-          <p:cNvPr id="5" name="내용 개체 틀 4"/>
+          <p:cNvPr id="2050" name="Picture 2"/>
           <p:cNvPicPr>
-            <a:picLocks noGrp="1"/>
+            <a:picLocks noChangeAspect="1" noChangeArrowheads="1"/>
           </p:cNvPicPr>
-          <p:nvPr>
-            <p:ph idx="1"/>
-          </p:nvPr>
+          <p:nvPr/>
         </p:nvPicPr>
         <p:blipFill>
           <a:blip r:embed="rId3"/>
@@ -4108,7 +4112,7 @@
         </p:blipFill>
         <p:spPr bwMode="auto">
           <a:xfrm>
-            <a:off x="1419225" y="1662906"/>
+            <a:off x="1714480" y="1857364"/>
             <a:ext cx="6305550" cy="4400550"/>
           </a:xfrm>
           <a:prstGeom prst="rect">
@@ -4121,6 +4125,7 @@
             <a:headEnd/>
             <a:tailEnd/>
           </a:ln>
+          <a:effectLst/>
         </p:spPr>
       </p:pic>
       <p:sp>
@@ -4131,8 +4136,8 @@
         </p:nvSpPr>
         <p:spPr>
           <a:xfrm>
-            <a:off x="5786446" y="2285992"/>
-            <a:ext cx="1928826" cy="1214446"/>
+            <a:off x="6143636" y="2500306"/>
+            <a:ext cx="1785950" cy="2071702"/>
           </a:xfrm>
           <a:prstGeom prst="rect">
             <a:avLst/>
@@ -4142,6 +4147,9 @@
               <a:alpha val="30000"/>
             </a:srgbClr>
           </a:solidFill>
+          <a:ln>
+            <a:noFill/>
+          </a:ln>
         </p:spPr>
         <p:style>
           <a:lnRef idx="2">

--- a/AITerm/doc/최종데모/최종보고서/최종문서 그림편집.pptx
+++ b/AITerm/doc/최종데모/최종보고서/최종문서 그림편집.pptx
@@ -196,7 +196,8 @@
           <a:p>
             <a:fld id="{22C39990-31F2-4B39-9F78-C17DD8BA5481}" type="datetimeFigureOut">
               <a:rPr lang="ko-KR" altLang="en-US" smtClean="0"/>
-              <a:t>2009-06-01</a:t>
+              <a:pPr/>
+              <a:t>2009-06-02</a:t>
             </a:fld>
             <a:endParaRPr lang="ko-KR" altLang="en-US"/>
           </a:p>
@@ -357,6 +358,7 @@
           <a:p>
             <a:fld id="{E783F67B-1F9E-4DEE-8E3E-FA31B0EB346C}" type="slidenum">
               <a:rPr lang="ko-KR" altLang="en-US" smtClean="0"/>
+              <a:pPr/>
               <a:t>‹#›</a:t>
             </a:fld>
             <a:endParaRPr lang="ko-KR" altLang="en-US"/>
@@ -528,6 +530,7 @@
           <a:p>
             <a:fld id="{E783F67B-1F9E-4DEE-8E3E-FA31B0EB346C}" type="slidenum">
               <a:rPr lang="ko-KR" altLang="en-US" smtClean="0"/>
+              <a:pPr/>
               <a:t>1</a:t>
             </a:fld>
             <a:endParaRPr lang="ko-KR" altLang="en-US"/>
@@ -609,6 +612,7 @@
           <a:p>
             <a:fld id="{E783F67B-1F9E-4DEE-8E3E-FA31B0EB346C}" type="slidenum">
               <a:rPr lang="ko-KR" altLang="en-US" smtClean="0"/>
+              <a:pPr/>
               <a:t>2</a:t>
             </a:fld>
             <a:endParaRPr lang="ko-KR" altLang="en-US"/>
@@ -690,6 +694,7 @@
           <a:p>
             <a:fld id="{E783F67B-1F9E-4DEE-8E3E-FA31B0EB346C}" type="slidenum">
               <a:rPr lang="ko-KR" altLang="en-US" smtClean="0"/>
+              <a:pPr/>
               <a:t>3</a:t>
             </a:fld>
             <a:endParaRPr lang="ko-KR" altLang="en-US"/>
@@ -771,6 +776,7 @@
           <a:p>
             <a:fld id="{E783F67B-1F9E-4DEE-8E3E-FA31B0EB346C}" type="slidenum">
               <a:rPr lang="ko-KR" altLang="en-US" smtClean="0"/>
+              <a:pPr/>
               <a:t>4</a:t>
             </a:fld>
             <a:endParaRPr lang="ko-KR" altLang="en-US"/>
@@ -852,6 +858,7 @@
           <a:p>
             <a:fld id="{E783F67B-1F9E-4DEE-8E3E-FA31B0EB346C}" type="slidenum">
               <a:rPr lang="ko-KR" altLang="en-US" smtClean="0"/>
+              <a:pPr/>
               <a:t>5</a:t>
             </a:fld>
             <a:endParaRPr lang="ko-KR" altLang="en-US"/>
@@ -1048,7 +1055,7 @@
             <a:fld id="{FB30EDBD-1C2D-4C1E-B459-B60219FAB484}" type="datetimeFigureOut">
               <a:rPr lang="ko-KR" altLang="en-US" smtClean="0"/>
               <a:pPr/>
-              <a:t>2009-06-01</a:t>
+              <a:t>2009-06-02</a:t>
             </a:fld>
             <a:endParaRPr lang="ko-KR" altLang="en-US"/>
           </a:p>
@@ -1215,7 +1222,7 @@
             <a:fld id="{FB30EDBD-1C2D-4C1E-B459-B60219FAB484}" type="datetimeFigureOut">
               <a:rPr lang="ko-KR" altLang="en-US" smtClean="0"/>
               <a:pPr/>
-              <a:t>2009-06-01</a:t>
+              <a:t>2009-06-02</a:t>
             </a:fld>
             <a:endParaRPr lang="ko-KR" altLang="en-US"/>
           </a:p>
@@ -1392,7 +1399,7 @@
             <a:fld id="{FB30EDBD-1C2D-4C1E-B459-B60219FAB484}" type="datetimeFigureOut">
               <a:rPr lang="ko-KR" altLang="en-US" smtClean="0"/>
               <a:pPr/>
-              <a:t>2009-06-01</a:t>
+              <a:t>2009-06-02</a:t>
             </a:fld>
             <a:endParaRPr lang="ko-KR" altLang="en-US"/>
           </a:p>
@@ -1559,7 +1566,7 @@
             <a:fld id="{FB30EDBD-1C2D-4C1E-B459-B60219FAB484}" type="datetimeFigureOut">
               <a:rPr lang="ko-KR" altLang="en-US" smtClean="0"/>
               <a:pPr/>
-              <a:t>2009-06-01</a:t>
+              <a:t>2009-06-02</a:t>
             </a:fld>
             <a:endParaRPr lang="ko-KR" altLang="en-US"/>
           </a:p>
@@ -1802,7 +1809,7 @@
             <a:fld id="{FB30EDBD-1C2D-4C1E-B459-B60219FAB484}" type="datetimeFigureOut">
               <a:rPr lang="ko-KR" altLang="en-US" smtClean="0"/>
               <a:pPr/>
-              <a:t>2009-06-01</a:t>
+              <a:t>2009-06-02</a:t>
             </a:fld>
             <a:endParaRPr lang="ko-KR" altLang="en-US"/>
           </a:p>
@@ -2087,7 +2094,7 @@
             <a:fld id="{FB30EDBD-1C2D-4C1E-B459-B60219FAB484}" type="datetimeFigureOut">
               <a:rPr lang="ko-KR" altLang="en-US" smtClean="0"/>
               <a:pPr/>
-              <a:t>2009-06-01</a:t>
+              <a:t>2009-06-02</a:t>
             </a:fld>
             <a:endParaRPr lang="ko-KR" altLang="en-US"/>
           </a:p>
@@ -2506,7 +2513,7 @@
             <a:fld id="{FB30EDBD-1C2D-4C1E-B459-B60219FAB484}" type="datetimeFigureOut">
               <a:rPr lang="ko-KR" altLang="en-US" smtClean="0"/>
               <a:pPr/>
-              <a:t>2009-06-01</a:t>
+              <a:t>2009-06-02</a:t>
             </a:fld>
             <a:endParaRPr lang="ko-KR" altLang="en-US"/>
           </a:p>
@@ -2621,7 +2628,7 @@
             <a:fld id="{FB30EDBD-1C2D-4C1E-B459-B60219FAB484}" type="datetimeFigureOut">
               <a:rPr lang="ko-KR" altLang="en-US" smtClean="0"/>
               <a:pPr/>
-              <a:t>2009-06-01</a:t>
+              <a:t>2009-06-02</a:t>
             </a:fld>
             <a:endParaRPr lang="ko-KR" altLang="en-US"/>
           </a:p>
@@ -2713,7 +2720,7 @@
             <a:fld id="{FB30EDBD-1C2D-4C1E-B459-B60219FAB484}" type="datetimeFigureOut">
               <a:rPr lang="ko-KR" altLang="en-US" smtClean="0"/>
               <a:pPr/>
-              <a:t>2009-06-01</a:t>
+              <a:t>2009-06-02</a:t>
             </a:fld>
             <a:endParaRPr lang="ko-KR" altLang="en-US"/>
           </a:p>
@@ -2987,7 +2994,7 @@
             <a:fld id="{FB30EDBD-1C2D-4C1E-B459-B60219FAB484}" type="datetimeFigureOut">
               <a:rPr lang="ko-KR" altLang="en-US" smtClean="0"/>
               <a:pPr/>
-              <a:t>2009-06-01</a:t>
+              <a:t>2009-06-02</a:t>
             </a:fld>
             <a:endParaRPr lang="ko-KR" altLang="en-US"/>
           </a:p>
@@ -3237,7 +3244,7 @@
             <a:fld id="{FB30EDBD-1C2D-4C1E-B459-B60219FAB484}" type="datetimeFigureOut">
               <a:rPr lang="ko-KR" altLang="en-US" smtClean="0"/>
               <a:pPr/>
-              <a:t>2009-06-01</a:t>
+              <a:t>2009-06-02</a:t>
             </a:fld>
             <a:endParaRPr lang="ko-KR" altLang="en-US"/>
           </a:p>
@@ -3447,7 +3454,7 @@
             <a:fld id="{FB30EDBD-1C2D-4C1E-B459-B60219FAB484}" type="datetimeFigureOut">
               <a:rPr lang="ko-KR" altLang="en-US" smtClean="0"/>
               <a:pPr/>
-              <a:t>2009-06-01</a:t>
+              <a:t>2009-06-02</a:t>
             </a:fld>
             <a:endParaRPr lang="ko-KR" altLang="en-US"/>
           </a:p>
@@ -4477,6 +4484,94 @@
             <a:r>
               <a:rPr lang="ko-KR" altLang="en-US" dirty="0" smtClean="0"/>
               <a:t>생성 결과</a:t>
+            </a:r>
+            <a:endParaRPr lang="ko-KR" altLang="en-US" dirty="0"/>
+          </a:p>
+        </p:txBody>
+      </p:sp>
+      <p:sp>
+        <p:nvSpPr>
+          <p:cNvPr id="11" name="직사각형 10"/>
+          <p:cNvSpPr/>
+          <p:nvPr/>
+        </p:nvSpPr>
+        <p:spPr>
+          <a:xfrm>
+            <a:off x="2214546" y="4929198"/>
+            <a:ext cx="571504" cy="214314"/>
+          </a:xfrm>
+          <a:prstGeom prst="rect">
+            <a:avLst/>
+          </a:prstGeom>
+          <a:solidFill>
+            <a:srgbClr val="FF0000">
+              <a:alpha val="30000"/>
+            </a:srgbClr>
+          </a:solidFill>
+          <a:ln>
+            <a:noFill/>
+          </a:ln>
+        </p:spPr>
+        <p:style>
+          <a:lnRef idx="2">
+            <a:schemeClr val="accent1">
+              <a:shade val="50000"/>
+            </a:schemeClr>
+          </a:lnRef>
+          <a:fillRef idx="1">
+            <a:schemeClr val="accent1"/>
+          </a:fillRef>
+          <a:effectRef idx="0">
+            <a:schemeClr val="accent1"/>
+          </a:effectRef>
+          <a:fontRef idx="minor">
+            <a:schemeClr val="lt1"/>
+          </a:fontRef>
+        </p:style>
+        <p:txBody>
+          <a:bodyPr rtlCol="0" anchor="ctr"/>
+          <a:lstStyle/>
+          <a:p>
+            <a:pPr algn="ctr"/>
+            <a:endParaRPr lang="ko-KR" altLang="en-US"/>
+          </a:p>
+        </p:txBody>
+      </p:sp>
+      <p:sp>
+        <p:nvSpPr>
+          <p:cNvPr id="12" name="TextBox 11"/>
+          <p:cNvSpPr txBox="1"/>
+          <p:nvPr/>
+        </p:nvSpPr>
+        <p:spPr>
+          <a:xfrm>
+            <a:off x="2357422" y="5143512"/>
+            <a:ext cx="2357454" cy="369332"/>
+          </a:xfrm>
+          <a:prstGeom prst="rect">
+            <a:avLst/>
+          </a:prstGeom>
+          <a:solidFill>
+            <a:schemeClr val="bg1"/>
+          </a:solidFill>
+        </p:spPr>
+        <p:txBody>
+          <a:bodyPr wrap="square" rtlCol="0">
+            <a:spAutoFit/>
+          </a:bodyPr>
+          <a:lstStyle/>
+          <a:p>
+            <a:r>
+              <a:rPr lang="en-US" altLang="ko-KR" dirty="0" err="1" smtClean="0"/>
+              <a:t>Qeury</a:t>
+            </a:r>
+            <a:r>
+              <a:rPr lang="en-US" altLang="ko-KR" dirty="0" smtClean="0"/>
+              <a:t> </a:t>
+            </a:r>
+            <a:r>
+              <a:rPr lang="ko-KR" altLang="en-US" dirty="0" smtClean="0"/>
+              <a:t>수행 결과</a:t>
             </a:r>
             <a:endParaRPr lang="ko-KR" altLang="en-US" dirty="0"/>
           </a:p>
